--- a/figures_tables/figure1/fig1.pptx
+++ b/figures_tables/figure1/fig1.pptx
@@ -280,7 +280,7 @@
           <a:p>
             <a:fld id="{A32BB275-E8C5-F64E-8AE5-B6044896F5A7}" type="datetimeFigureOut">
               <a:rPr lang="en-US" smtClean="0"/>
-              <a:t>2/8/24</a:t>
+              <a:t>10/7/24</a:t>
             </a:fld>
             <a:endParaRPr lang="en-US"/>
           </a:p>
@@ -450,7 +450,7 @@
           <a:p>
             <a:fld id="{A32BB275-E8C5-F64E-8AE5-B6044896F5A7}" type="datetimeFigureOut">
               <a:rPr lang="en-US" smtClean="0"/>
-              <a:t>2/8/24</a:t>
+              <a:t>10/7/24</a:t>
             </a:fld>
             <a:endParaRPr lang="en-US"/>
           </a:p>
@@ -630,7 +630,7 @@
           <a:p>
             <a:fld id="{A32BB275-E8C5-F64E-8AE5-B6044896F5A7}" type="datetimeFigureOut">
               <a:rPr lang="en-US" smtClean="0"/>
-              <a:t>2/8/24</a:t>
+              <a:t>10/7/24</a:t>
             </a:fld>
             <a:endParaRPr lang="en-US"/>
           </a:p>
@@ -800,7 +800,7 @@
           <a:p>
             <a:fld id="{A32BB275-E8C5-F64E-8AE5-B6044896F5A7}" type="datetimeFigureOut">
               <a:rPr lang="en-US" smtClean="0"/>
-              <a:t>2/8/24</a:t>
+              <a:t>10/7/24</a:t>
             </a:fld>
             <a:endParaRPr lang="en-US"/>
           </a:p>
@@ -1044,7 +1044,7 @@
           <a:p>
             <a:fld id="{A32BB275-E8C5-F64E-8AE5-B6044896F5A7}" type="datetimeFigureOut">
               <a:rPr lang="en-US" smtClean="0"/>
-              <a:t>2/8/24</a:t>
+              <a:t>10/7/24</a:t>
             </a:fld>
             <a:endParaRPr lang="en-US"/>
           </a:p>
@@ -1276,7 +1276,7 @@
           <a:p>
             <a:fld id="{A32BB275-E8C5-F64E-8AE5-B6044896F5A7}" type="datetimeFigureOut">
               <a:rPr lang="en-US" smtClean="0"/>
-              <a:t>2/8/24</a:t>
+              <a:t>10/7/24</a:t>
             </a:fld>
             <a:endParaRPr lang="en-US"/>
           </a:p>
@@ -1643,7 +1643,7 @@
           <a:p>
             <a:fld id="{A32BB275-E8C5-F64E-8AE5-B6044896F5A7}" type="datetimeFigureOut">
               <a:rPr lang="en-US" smtClean="0"/>
-              <a:t>2/8/24</a:t>
+              <a:t>10/7/24</a:t>
             </a:fld>
             <a:endParaRPr lang="en-US"/>
           </a:p>
@@ -1761,7 +1761,7 @@
           <a:p>
             <a:fld id="{A32BB275-E8C5-F64E-8AE5-B6044896F5A7}" type="datetimeFigureOut">
               <a:rPr lang="en-US" smtClean="0"/>
-              <a:t>2/8/24</a:t>
+              <a:t>10/7/24</a:t>
             </a:fld>
             <a:endParaRPr lang="en-US"/>
           </a:p>
@@ -1856,7 +1856,7 @@
           <a:p>
             <a:fld id="{A32BB275-E8C5-F64E-8AE5-B6044896F5A7}" type="datetimeFigureOut">
               <a:rPr lang="en-US" smtClean="0"/>
-              <a:t>2/8/24</a:t>
+              <a:t>10/7/24</a:t>
             </a:fld>
             <a:endParaRPr lang="en-US"/>
           </a:p>
@@ -2133,7 +2133,7 @@
           <a:p>
             <a:fld id="{A32BB275-E8C5-F64E-8AE5-B6044896F5A7}" type="datetimeFigureOut">
               <a:rPr lang="en-US" smtClean="0"/>
-              <a:t>2/8/24</a:t>
+              <a:t>10/7/24</a:t>
             </a:fld>
             <a:endParaRPr lang="en-US"/>
           </a:p>
@@ -2390,7 +2390,7 @@
           <a:p>
             <a:fld id="{A32BB275-E8C5-F64E-8AE5-B6044896F5A7}" type="datetimeFigureOut">
               <a:rPr lang="en-US" smtClean="0"/>
-              <a:t>2/8/24</a:t>
+              <a:t>10/7/24</a:t>
             </a:fld>
             <a:endParaRPr lang="en-US"/>
           </a:p>
@@ -2603,7 +2603,7 @@
           <a:p>
             <a:fld id="{A32BB275-E8C5-F64E-8AE5-B6044896F5A7}" type="datetimeFigureOut">
               <a:rPr lang="en-US" smtClean="0"/>
-              <a:t>2/8/24</a:t>
+              <a:t>10/7/24</a:t>
             </a:fld>
             <a:endParaRPr lang="en-US"/>
           </a:p>
@@ -3115,7 +3115,7 @@
       </p:pic>
       <p:pic>
         <p:nvPicPr>
-          <p:cNvPr id="12" name="Billede 11" descr="Et billede, der indeholder tekst, diagram, Plan, Parallel&#10;&#10;Automatisk genereret beskrivelse">
+          <p:cNvPr id="12" name="Billede 11">
             <a:extLst>
               <a:ext uri="{FF2B5EF4-FFF2-40B4-BE49-F238E27FC236}">
                 <a16:creationId xmlns:a16="http://schemas.microsoft.com/office/drawing/2014/main" id="{EBD49DEE-9F37-23E2-7794-03C1962051EE}"/>
@@ -3129,9 +3129,8 @@
         </p:nvPicPr>
         <p:blipFill>
           <a:blip r:embed="rId3"/>
-          <a:stretch>
-            <a:fillRect/>
-          </a:stretch>
+          <a:srcRect/>
+          <a:stretch/>
         </p:blipFill>
         <p:spPr>
           <a:xfrm>
@@ -3164,8 +3163,8 @@
         </p:blipFill>
         <p:spPr>
           <a:xfrm>
-            <a:off x="201884" y="2999243"/>
-            <a:ext cx="2724851" cy="3635934"/>
+            <a:off x="201884" y="3035774"/>
+            <a:ext cx="2724851" cy="3562871"/>
           </a:xfrm>
           <a:prstGeom prst="rect">
             <a:avLst/>
